--- a/Documentation/Presentation_Final.pptx
+++ b/Documentation/Presentation_Final.pptx
@@ -3980,7 +3980,11 @@
             </a:r>
             <a:r>
               <a:rPr lang="en-US" dirty="0" smtClean="0"/>
-              <a:t>. Demonstration</a:t>
+              <a:t>. </a:t>
+            </a:r>
+            <a:r>
+              <a:rPr lang="en-US" dirty="0" smtClean="0"/>
+              <a:t>Progress</a:t>
             </a:r>
             <a:endParaRPr lang="en-CA" dirty="0"/>
           </a:p>
@@ -4016,6 +4020,50 @@
           </a:prstGeom>
         </p:spPr>
       </p:pic>
+      <p:sp>
+        <p:nvSpPr>
+          <p:cNvPr id="6" name="Content Placeholder 2"/>
+          <p:cNvSpPr>
+            <a:spLocks noGrp="1"/>
+          </p:cNvSpPr>
+          <p:nvPr>
+            <p:ph idx="1"/>
+          </p:nvPr>
+        </p:nvSpPr>
+        <p:spPr>
+          <a:xfrm>
+            <a:off x="838200" y="1825625"/>
+            <a:ext cx="10515600" cy="4351338"/>
+          </a:xfrm>
+        </p:spPr>
+        <p:txBody>
+          <a:bodyPr/>
+          <a:lstStyle/>
+          <a:p>
+            <a:r>
+              <a:rPr lang="en-US" dirty="0" smtClean="0"/>
+              <a:t>Finished all main functions and screens</a:t>
+            </a:r>
+          </a:p>
+          <a:p>
+            <a:r>
+              <a:rPr lang="en-US" dirty="0" smtClean="0"/>
+              <a:t>No bugs</a:t>
+            </a:r>
+          </a:p>
+          <a:p>
+            <a:r>
+              <a:rPr lang="en-US" dirty="0" smtClean="0"/>
+              <a:t>Future plans to be implemented in the </a:t>
+            </a:r>
+            <a:r>
+              <a:rPr lang="en-US" smtClean="0"/>
+              <a:t>next semester</a:t>
+            </a:r>
+            <a:endParaRPr lang="en-CA" dirty="0"/>
+          </a:p>
+        </p:txBody>
+      </p:sp>
     </p:spTree>
     <p:extLst>
       <p:ext uri="{BB962C8B-B14F-4D97-AF65-F5344CB8AC3E}">
@@ -4070,7 +4118,15 @@
           <a:p>
             <a:r>
               <a:rPr lang="en-US" dirty="0" smtClean="0"/>
-              <a:t>4. Test cases</a:t>
+              <a:t>4. </a:t>
+            </a:r>
+            <a:r>
+              <a:rPr lang="en-US" dirty="0" smtClean="0"/>
+              <a:t>Demonstration + Test </a:t>
+            </a:r>
+            <a:r>
+              <a:rPr lang="en-US" dirty="0" smtClean="0"/>
+              <a:t>cases</a:t>
             </a:r>
             <a:endParaRPr lang="en-CA" dirty="0"/>
           </a:p>

--- a/Documentation/Presentation_Final.pptx
+++ b/Documentation/Presentation_Final.pptx
@@ -3453,7 +3453,7 @@
       </p:pic>
       <p:pic>
         <p:nvPicPr>
-          <p:cNvPr id="6" name="Picture 5"/>
+          <p:cNvPr id="8" name="Picture 7"/>
           <p:cNvPicPr>
             <a:picLocks noChangeAspect="1"/>
           </p:cNvPicPr>
@@ -3467,8 +3467,8 @@
         </p:blipFill>
         <p:spPr>
           <a:xfrm>
-            <a:off x="4988914" y="2090239"/>
-            <a:ext cx="2214171" cy="4199082"/>
+            <a:off x="8473645" y="2090238"/>
+            <a:ext cx="2114028" cy="4215135"/>
           </a:xfrm>
           <a:prstGeom prst="rect">
             <a:avLst/>
@@ -3477,7 +3477,7 @@
       </p:pic>
       <p:pic>
         <p:nvPicPr>
-          <p:cNvPr id="7" name="Picture 6"/>
+          <p:cNvPr id="9" name="Picture 8"/>
           <p:cNvPicPr>
             <a:picLocks noChangeAspect="1"/>
           </p:cNvPicPr>
@@ -3491,8 +3491,8 @@
         </p:blipFill>
         <p:spPr>
           <a:xfrm>
-            <a:off x="8562627" y="2090239"/>
-            <a:ext cx="2136161" cy="4199082"/>
+            <a:off x="5096019" y="2090239"/>
+            <a:ext cx="2110427" cy="4215135"/>
           </a:xfrm>
           <a:prstGeom prst="rect">
             <a:avLst/>
@@ -3576,32 +3576,8 @@
         </p:blipFill>
         <p:spPr>
           <a:xfrm>
-            <a:off x="1329604" y="3320738"/>
+            <a:off x="1286003" y="3320738"/>
             <a:ext cx="1822271" cy="3567545"/>
-          </a:xfrm>
-          <a:prstGeom prst="rect">
-            <a:avLst/>
-          </a:prstGeom>
-        </p:spPr>
-      </p:pic>
-      <p:pic>
-        <p:nvPicPr>
-          <p:cNvPr id="6" name="Picture 5"/>
-          <p:cNvPicPr>
-            <a:picLocks noChangeAspect="1"/>
-          </p:cNvPicPr>
-          <p:nvPr/>
-        </p:nvPicPr>
-        <p:blipFill>
-          <a:blip r:embed="rId4"/>
-          <a:stretch>
-            <a:fillRect/>
-          </a:stretch>
-        </p:blipFill>
-        <p:spPr>
-          <a:xfrm>
-            <a:off x="5072038" y="3320738"/>
-            <a:ext cx="1755670" cy="3431309"/>
           </a:xfrm>
           <a:prstGeom prst="rect">
             <a:avLst/>
@@ -3617,7 +3593,7 @@
           <p:nvPr/>
         </p:nvPicPr>
         <p:blipFill>
-          <a:blip r:embed="rId5"/>
+          <a:blip r:embed="rId4"/>
           <a:stretch>
             <a:fillRect/>
           </a:stretch>
@@ -3641,7 +3617,7 @@
           <p:nvPr/>
         </p:nvPicPr>
         <p:blipFill>
-          <a:blip r:embed="rId6" cstate="print">
+          <a:blip r:embed="rId5" cstate="print">
             <a:extLst>
               <a:ext uri="{28A0092B-C50C-407E-A947-70E740481C1C}">
                 <a14:useLocalDpi xmlns:a14="http://schemas.microsoft.com/office/drawing/2010/main" val="0"/>
@@ -3656,6 +3632,30 @@
           <a:xfrm>
             <a:off x="10245655" y="1663"/>
             <a:ext cx="1823962" cy="1823962"/>
+          </a:xfrm>
+          <a:prstGeom prst="rect">
+            <a:avLst/>
+          </a:prstGeom>
+        </p:spPr>
+      </p:pic>
+      <p:pic>
+        <p:nvPicPr>
+          <p:cNvPr id="2" name="Picture 1"/>
+          <p:cNvPicPr>
+            <a:picLocks noChangeAspect="1"/>
+          </p:cNvPicPr>
+          <p:nvPr/>
+        </p:nvPicPr>
+        <p:blipFill>
+          <a:blip r:embed="rId6"/>
+          <a:stretch>
+            <a:fillRect/>
+          </a:stretch>
+        </p:blipFill>
+        <p:spPr>
+          <a:xfrm>
+            <a:off x="5018480" y="3320738"/>
+            <a:ext cx="1862785" cy="3537262"/>
           </a:xfrm>
           <a:prstGeom prst="rect">
             <a:avLst/>
@@ -3741,7 +3741,7 @@
                                           </p:stCondLst>
                                         </p:cTn>
                                         <p:tgtEl>
-                                          <p:spTgt spid="6"/>
+                                          <p:spTgt spid="7"/>
                                         </p:tgtEl>
                                         <p:attrNameLst>
                                           <p:attrName>style.visibility</p:attrName>
@@ -3755,7 +3755,7 @@
                                       <p:cBhvr>
                                         <p:cTn id="10" dur="500"/>
                                         <p:tgtEl>
-                                          <p:spTgt spid="6"/>
+                                          <p:spTgt spid="7"/>
                                         </p:tgtEl>
                                       </p:cBhvr>
                                     </p:animEffect>
@@ -3776,7 +3776,7 @@
                                           </p:stCondLst>
                                         </p:cTn>
                                         <p:tgtEl>
-                                          <p:spTgt spid="7"/>
+                                          <p:spTgt spid="2"/>
                                         </p:tgtEl>
                                         <p:attrNameLst>
                                           <p:attrName>style.visibility</p:attrName>
@@ -3790,7 +3790,7 @@
                                       <p:cBhvr>
                                         <p:cTn id="13" dur="500"/>
                                         <p:tgtEl>
-                                          <p:spTgt spid="7"/>
+                                          <p:spTgt spid="2"/>
                                         </p:tgtEl>
                                       </p:cBhvr>
                                     </p:animEffect>
@@ -3980,11 +3980,7 @@
             </a:r>
             <a:r>
               <a:rPr lang="en-US" dirty="0" smtClean="0"/>
-              <a:t>. </a:t>
-            </a:r>
-            <a:r>
-              <a:rPr lang="en-US" dirty="0" smtClean="0"/>
-              <a:t>Progress</a:t>
+              <a:t>. Progress</a:t>
             </a:r>
             <a:endParaRPr lang="en-CA" dirty="0"/>
           </a:p>
@@ -4118,15 +4114,7 @@
           <a:p>
             <a:r>
               <a:rPr lang="en-US" dirty="0" smtClean="0"/>
-              <a:t>4. </a:t>
-            </a:r>
-            <a:r>
-              <a:rPr lang="en-US" dirty="0" smtClean="0"/>
-              <a:t>Demonstration + Test </a:t>
-            </a:r>
-            <a:r>
-              <a:rPr lang="en-US" dirty="0" smtClean="0"/>
-              <a:t>cases</a:t>
+              <a:t>4. Demonstration + Test cases</a:t>
             </a:r>
             <a:endParaRPr lang="en-CA" dirty="0"/>
           </a:p>

--- a/Documentation/Presentation_Final.pptx
+++ b/Documentation/Presentation_Final.pptx
@@ -4331,18 +4331,11 @@
           <a:p>
             <a:r>
               <a:rPr lang="en-US" dirty="0" smtClean="0"/>
-              <a:t>Add </a:t>
-            </a:r>
-            <a:r>
-              <a:rPr lang="en-US" dirty="0" err="1" smtClean="0"/>
-              <a:t>SharedPreferences</a:t>
-            </a:r>
-            <a:endParaRPr lang="en-US" dirty="0" smtClean="0"/>
-          </a:p>
-          <a:p>
+              <a:t>Improve </a:t>
+            </a:r>
             <a:r>
               <a:rPr lang="en-US" dirty="0" smtClean="0"/>
-              <a:t>Improve Layout formats </a:t>
+              <a:t>Layout formats </a:t>
             </a:r>
           </a:p>
           <a:p>
@@ -4354,8 +4347,22 @@
           <a:p>
             <a:r>
               <a:rPr lang="en-US" dirty="0" smtClean="0"/>
-              <a:t>Work on Hardware Integrations</a:t>
-            </a:r>
+              <a:t>Work on Hardware </a:t>
+            </a:r>
+            <a:r>
+              <a:rPr lang="en-US" dirty="0" smtClean="0"/>
+              <a:t>Integrations (Powering the device</a:t>
+            </a:r>
+            <a:r>
+              <a:rPr lang="en-US" smtClean="0"/>
+              <a:t>, Car’s movement</a:t>
+            </a:r>
+            <a:r>
+              <a:rPr lang="en-US" dirty="0" smtClean="0"/>
+              <a:t>, Application of the App’s settings to Hardware)</a:t>
+            </a:r>
+          </a:p>
+          <a:p>
             <a:endParaRPr lang="en-CA" dirty="0"/>
           </a:p>
         </p:txBody>

--- a/Documentation/Presentation_Final.pptx
+++ b/Documentation/Presentation_Final.pptx
@@ -4331,36 +4331,48 @@
           <a:p>
             <a:r>
               <a:rPr lang="en-US" dirty="0" smtClean="0"/>
-              <a:t>Improve </a:t>
-            </a:r>
+              <a:t>Improve Layout formats </a:t>
+            </a:r>
+          </a:p>
+          <a:p>
             <a:r>
               <a:rPr lang="en-US" dirty="0" smtClean="0"/>
-              <a:t>Layout formats </a:t>
-            </a:r>
-          </a:p>
-          <a:p>
+              <a:t>More language </a:t>
+            </a:r>
             <a:r>
               <a:rPr lang="en-US" dirty="0" smtClean="0"/>
-              <a:t>More language options</a:t>
-            </a:r>
-          </a:p>
-          <a:p>
+              <a:t>options</a:t>
+            </a:r>
+          </a:p>
+          <a:p>
+            <a:r>
+              <a:rPr lang="en-US" dirty="0"/>
+              <a:t>Registration Email </a:t>
+            </a:r>
             <a:r>
               <a:rPr lang="en-US" dirty="0" smtClean="0"/>
-              <a:t>Work on Hardware </a:t>
-            </a:r>
+              <a:t>confirmation</a:t>
+            </a:r>
+          </a:p>
+          <a:p>
+            <a:r>
+              <a:rPr lang="en-US" smtClean="0"/>
+              <a:t>Forget password option</a:t>
+            </a:r>
+            <a:endParaRPr lang="en-US" dirty="0" smtClean="0"/>
+          </a:p>
+          <a:p>
             <a:r>
               <a:rPr lang="en-US" dirty="0" smtClean="0"/>
-              <a:t>Integrations (Powering the device</a:t>
-            </a:r>
-            <a:r>
-              <a:rPr lang="en-US" smtClean="0"/>
-              <a:t>, Car’s movement</a:t>
+              <a:t>Work on Hardware Integrations (Powering the device, Car’s movement, Application of the App’s settings to Hardware</a:t>
             </a:r>
             <a:r>
               <a:rPr lang="en-US" dirty="0" smtClean="0"/>
-              <a:t>, Application of the App’s settings to Hardware)</a:t>
-            </a:r>
+              <a:t>)</a:t>
+            </a:r>
+          </a:p>
+          <a:p>
+            <a:endParaRPr lang="en-US" dirty="0" smtClean="0"/>
           </a:p>
           <a:p>
             <a:endParaRPr lang="en-CA" dirty="0"/>
